--- a/doc/présentation V4.pptx
+++ b/doc/présentation V4.pptx
@@ -283,7 +283,7 @@
           <a:p>
             <a:fld id="{AA70F276-1833-4A75-9C1D-A56E2295A68D}" type="datetimeFigureOut">
               <a:rPr lang="en-US" smtClean="0"/>
-              <a:t>11/24/2022</a:t>
+              <a:t>11/25/2022</a:t>
             </a:fld>
             <a:endParaRPr lang="en-US"/>
           </a:p>
@@ -481,7 +481,7 @@
           <a:p>
             <a:fld id="{AA70F276-1833-4A75-9C1D-A56E2295A68D}" type="datetimeFigureOut">
               <a:rPr lang="en-US" smtClean="0"/>
-              <a:t>11/24/2022</a:t>
+              <a:t>11/25/2022</a:t>
             </a:fld>
             <a:endParaRPr lang="en-US"/>
           </a:p>
@@ -689,7 +689,7 @@
           <a:p>
             <a:fld id="{AA70F276-1833-4A75-9C1D-A56E2295A68D}" type="datetimeFigureOut">
               <a:rPr lang="en-US" smtClean="0"/>
-              <a:t>11/24/2022</a:t>
+              <a:t>11/25/2022</a:t>
             </a:fld>
             <a:endParaRPr lang="en-US"/>
           </a:p>
@@ -914,7 +914,7 @@
           <a:p>
             <a:fld id="{AA70F276-1833-4A75-9C1D-A56E2295A68D}" type="datetimeFigureOut">
               <a:rPr lang="en-US" smtClean="0"/>
-              <a:t>11/24/2022</a:t>
+              <a:t>11/25/2022</a:t>
             </a:fld>
             <a:endParaRPr lang="en-US"/>
           </a:p>
@@ -1190,7 +1190,7 @@
           <a:p>
             <a:fld id="{AA70F276-1833-4A75-9C1D-A56E2295A68D}" type="datetimeFigureOut">
               <a:rPr lang="en-US" smtClean="0"/>
-              <a:t>11/24/2022</a:t>
+              <a:t>11/25/2022</a:t>
             </a:fld>
             <a:endParaRPr lang="en-US"/>
           </a:p>
@@ -1460,7 +1460,7 @@
           <a:p>
             <a:fld id="{AA70F276-1833-4A75-9C1D-A56E2295A68D}" type="datetimeFigureOut">
               <a:rPr lang="en-US" smtClean="0"/>
-              <a:t>11/24/2022</a:t>
+              <a:t>11/25/2022</a:t>
             </a:fld>
             <a:endParaRPr lang="en-US"/>
           </a:p>
@@ -1872,7 +1872,7 @@
           <a:p>
             <a:fld id="{AA70F276-1833-4A75-9C1D-A56E2295A68D}" type="datetimeFigureOut">
               <a:rPr lang="en-US" smtClean="0"/>
-              <a:t>11/24/2022</a:t>
+              <a:t>11/25/2022</a:t>
             </a:fld>
             <a:endParaRPr lang="en-US"/>
           </a:p>
@@ -2013,7 +2013,7 @@
           <a:p>
             <a:fld id="{AA70F276-1833-4A75-9C1D-A56E2295A68D}" type="datetimeFigureOut">
               <a:rPr lang="en-US" smtClean="0"/>
-              <a:t>11/24/2022</a:t>
+              <a:t>11/25/2022</a:t>
             </a:fld>
             <a:endParaRPr lang="en-US"/>
           </a:p>
@@ -2126,7 +2126,7 @@
           <a:p>
             <a:fld id="{AA70F276-1833-4A75-9C1D-A56E2295A68D}" type="datetimeFigureOut">
               <a:rPr lang="en-US" smtClean="0"/>
-              <a:t>11/24/2022</a:t>
+              <a:t>11/25/2022</a:t>
             </a:fld>
             <a:endParaRPr lang="en-US"/>
           </a:p>
@@ -2437,7 +2437,7 @@
           <a:p>
             <a:fld id="{AA70F276-1833-4A75-9C1D-A56E2295A68D}" type="datetimeFigureOut">
               <a:rPr lang="en-US" smtClean="0"/>
-              <a:t>11/24/2022</a:t>
+              <a:t>11/25/2022</a:t>
             </a:fld>
             <a:endParaRPr lang="en-US"/>
           </a:p>
@@ -2728,7 +2728,7 @@
           <a:p>
             <a:fld id="{AA70F276-1833-4A75-9C1D-A56E2295A68D}" type="datetimeFigureOut">
               <a:rPr lang="en-US" smtClean="0"/>
-              <a:t>11/24/2022</a:t>
+              <a:t>11/25/2022</a:t>
             </a:fld>
             <a:endParaRPr lang="en-US"/>
           </a:p>
@@ -3036,7 +3036,7 @@
             <a:fld id="{AA70F276-1833-4A75-9C1D-A56E2295A68D}" type="datetimeFigureOut">
               <a:rPr lang="en-US" smtClean="0"/>
               <a:pPr/>
-              <a:t>11/24/2022</a:t>
+              <a:t>11/25/2022</a:t>
             </a:fld>
             <a:endParaRPr lang="en-US" dirty="0"/>
           </a:p>
@@ -10153,10 +10153,10 @@
       </p:grpSpPr>
       <p:pic>
         <p:nvPicPr>
-          <p:cNvPr id="24" name="Image 23">
-            <a:extLst>
-              <a:ext uri="{FF2B5EF4-FFF2-40B4-BE49-F238E27FC236}">
-                <a16:creationId xmlns:a16="http://schemas.microsoft.com/office/drawing/2014/main" id="{187DBE70-FC72-0E2C-E4EB-7FD01D0F77A8}"/>
+          <p:cNvPr id="4" name="Image 3">
+            <a:extLst>
+              <a:ext uri="{FF2B5EF4-FFF2-40B4-BE49-F238E27FC236}">
+                <a16:creationId xmlns:a16="http://schemas.microsoft.com/office/drawing/2014/main" id="{CE206DD8-BD73-6712-F8C7-BF4D96BDD886}"/>
               </a:ext>
             </a:extLst>
           </p:cNvPr>
@@ -10173,8 +10173,8 @@
         </p:blipFill>
         <p:spPr>
           <a:xfrm>
-            <a:off x="2123568" y="1385381"/>
-            <a:ext cx="7439025" cy="4191000"/>
+            <a:off x="2081418" y="1379597"/>
+            <a:ext cx="7777656" cy="4426068"/>
           </a:xfrm>
           <a:prstGeom prst="rect">
             <a:avLst/>
